--- a/Week02/590 week02.pptx
+++ b/Week02/590 week02.pptx
@@ -11,11 +11,13 @@
     <p:sldId id="266" r:id="rId5"/>
     <p:sldId id="267" r:id="rId6"/>
     <p:sldId id="268" r:id="rId7"/>
-    <p:sldId id="269" r:id="rId8"/>
-    <p:sldId id="261" r:id="rId9"/>
-    <p:sldId id="260" r:id="rId10"/>
-    <p:sldId id="262" r:id="rId11"/>
-    <p:sldId id="263" r:id="rId12"/>
+    <p:sldId id="271" r:id="rId8"/>
+    <p:sldId id="269" r:id="rId9"/>
+    <p:sldId id="261" r:id="rId10"/>
+    <p:sldId id="260" r:id="rId11"/>
+    <p:sldId id="262" r:id="rId12"/>
+    <p:sldId id="263" r:id="rId13"/>
+    <p:sldId id="270" r:id="rId14"/>
   </p:sldIdLst>
   <p:sldSz cx="12192000" cy="6858000"/>
   <p:notesSz cx="6858000" cy="9144000"/>
@@ -269,7 +271,7 @@
           <a:p>
             <a:fld id="{A8B4925A-EEE1-0F4E-8F82-58496B632F58}" type="datetimeFigureOut">
               <a:rPr kumimoji="1" lang="zh-CN" altLang="en-US" smtClean="0"/>
-              <a:t>2022/1/14</a:t>
+              <a:t>2022/1/15</a:t>
             </a:fld>
             <a:endParaRPr kumimoji="1" lang="zh-CN" altLang="en-US"/>
           </a:p>
@@ -467,7 +469,7 @@
           <a:p>
             <a:fld id="{A8B4925A-EEE1-0F4E-8F82-58496B632F58}" type="datetimeFigureOut">
               <a:rPr kumimoji="1" lang="zh-CN" altLang="en-US" smtClean="0"/>
-              <a:t>2022/1/14</a:t>
+              <a:t>2022/1/15</a:t>
             </a:fld>
             <a:endParaRPr kumimoji="1" lang="zh-CN" altLang="en-US"/>
           </a:p>
@@ -675,7 +677,7 @@
           <a:p>
             <a:fld id="{A8B4925A-EEE1-0F4E-8F82-58496B632F58}" type="datetimeFigureOut">
               <a:rPr kumimoji="1" lang="zh-CN" altLang="en-US" smtClean="0"/>
-              <a:t>2022/1/14</a:t>
+              <a:t>2022/1/15</a:t>
             </a:fld>
             <a:endParaRPr kumimoji="1" lang="zh-CN" altLang="en-US"/>
           </a:p>
@@ -873,7 +875,7 @@
           <a:p>
             <a:fld id="{A8B4925A-EEE1-0F4E-8F82-58496B632F58}" type="datetimeFigureOut">
               <a:rPr kumimoji="1" lang="zh-CN" altLang="en-US" smtClean="0"/>
-              <a:t>2022/1/14</a:t>
+              <a:t>2022/1/15</a:t>
             </a:fld>
             <a:endParaRPr kumimoji="1" lang="zh-CN" altLang="en-US"/>
           </a:p>
@@ -1148,7 +1150,7 @@
           <a:p>
             <a:fld id="{A8B4925A-EEE1-0F4E-8F82-58496B632F58}" type="datetimeFigureOut">
               <a:rPr kumimoji="1" lang="zh-CN" altLang="en-US" smtClean="0"/>
-              <a:t>2022/1/14</a:t>
+              <a:t>2022/1/15</a:t>
             </a:fld>
             <a:endParaRPr kumimoji="1" lang="zh-CN" altLang="en-US"/>
           </a:p>
@@ -1413,7 +1415,7 @@
           <a:p>
             <a:fld id="{A8B4925A-EEE1-0F4E-8F82-58496B632F58}" type="datetimeFigureOut">
               <a:rPr kumimoji="1" lang="zh-CN" altLang="en-US" smtClean="0"/>
-              <a:t>2022/1/14</a:t>
+              <a:t>2022/1/15</a:t>
             </a:fld>
             <a:endParaRPr kumimoji="1" lang="zh-CN" altLang="en-US"/>
           </a:p>
@@ -1825,7 +1827,7 @@
           <a:p>
             <a:fld id="{A8B4925A-EEE1-0F4E-8F82-58496B632F58}" type="datetimeFigureOut">
               <a:rPr kumimoji="1" lang="zh-CN" altLang="en-US" smtClean="0"/>
-              <a:t>2022/1/14</a:t>
+              <a:t>2022/1/15</a:t>
             </a:fld>
             <a:endParaRPr kumimoji="1" lang="zh-CN" altLang="en-US"/>
           </a:p>
@@ -1966,7 +1968,7 @@
           <a:p>
             <a:fld id="{A8B4925A-EEE1-0F4E-8F82-58496B632F58}" type="datetimeFigureOut">
               <a:rPr kumimoji="1" lang="zh-CN" altLang="en-US" smtClean="0"/>
-              <a:t>2022/1/14</a:t>
+              <a:t>2022/1/15</a:t>
             </a:fld>
             <a:endParaRPr kumimoji="1" lang="zh-CN" altLang="en-US"/>
           </a:p>
@@ -2079,7 +2081,7 @@
           <a:p>
             <a:fld id="{A8B4925A-EEE1-0F4E-8F82-58496B632F58}" type="datetimeFigureOut">
               <a:rPr kumimoji="1" lang="zh-CN" altLang="en-US" smtClean="0"/>
-              <a:t>2022/1/14</a:t>
+              <a:t>2022/1/15</a:t>
             </a:fld>
             <a:endParaRPr kumimoji="1" lang="zh-CN" altLang="en-US"/>
           </a:p>
@@ -2390,7 +2392,7 @@
           <a:p>
             <a:fld id="{A8B4925A-EEE1-0F4E-8F82-58496B632F58}" type="datetimeFigureOut">
               <a:rPr kumimoji="1" lang="zh-CN" altLang="en-US" smtClean="0"/>
-              <a:t>2022/1/14</a:t>
+              <a:t>2022/1/15</a:t>
             </a:fld>
             <a:endParaRPr kumimoji="1" lang="zh-CN" altLang="en-US"/>
           </a:p>
@@ -2678,7 +2680,7 @@
           <a:p>
             <a:fld id="{A8B4925A-EEE1-0F4E-8F82-58496B632F58}" type="datetimeFigureOut">
               <a:rPr kumimoji="1" lang="zh-CN" altLang="en-US" smtClean="0"/>
-              <a:t>2022/1/14</a:t>
+              <a:t>2022/1/15</a:t>
             </a:fld>
             <a:endParaRPr kumimoji="1" lang="zh-CN" altLang="en-US"/>
           </a:p>
@@ -2919,7 +2921,7 @@
           <a:p>
             <a:fld id="{A8B4925A-EEE1-0F4E-8F82-58496B632F58}" type="datetimeFigureOut">
               <a:rPr kumimoji="1" lang="zh-CN" altLang="en-US" smtClean="0"/>
-              <a:t>2022/1/14</a:t>
+              <a:t>2022/1/15</a:t>
             </a:fld>
             <a:endParaRPr kumimoji="1" lang="zh-CN" altLang="en-US"/>
           </a:p>
@@ -3442,68 +3444,40 @@
           <a:chExt cx="0" cy="0"/>
         </a:xfrm>
       </p:grpSpPr>
-      <p:sp>
-        <p:nvSpPr>
-          <p:cNvPr id="2" name="标题 1">
-            <a:extLst>
-              <a:ext uri="{FF2B5EF4-FFF2-40B4-BE49-F238E27FC236}">
-                <a16:creationId xmlns:a16="http://schemas.microsoft.com/office/drawing/2014/main" id="{F81BDECD-9D7C-BA4D-98A9-A80FE306A90F}"/>
-              </a:ext>
-            </a:extLst>
-          </p:cNvPr>
-          <p:cNvSpPr>
-            <a:spLocks noGrp="1"/>
-          </p:cNvSpPr>
-          <p:nvPr>
-            <p:ph type="title"/>
-          </p:nvPr>
-        </p:nvSpPr>
-        <p:spPr/>
-        <p:txBody>
-          <a:bodyPr/>
-          <a:lstStyle/>
-          <a:p>
-            <a:r>
-              <a:rPr kumimoji="1" lang="en-US" altLang="zh-CN" dirty="0"/>
-              <a:t>Problem 3</a:t>
-            </a:r>
-            <a:endParaRPr kumimoji="1" lang="zh-CN" altLang="en-US" dirty="0"/>
-          </a:p>
-        </p:txBody>
-      </p:sp>
-      <p:sp>
-        <p:nvSpPr>
-          <p:cNvPr id="3" name="内容占位符 2">
-            <a:extLst>
-              <a:ext uri="{FF2B5EF4-FFF2-40B4-BE49-F238E27FC236}">
-                <a16:creationId xmlns:a16="http://schemas.microsoft.com/office/drawing/2014/main" id="{50A8948C-D493-0C4E-84C0-93797CA83FD3}"/>
-              </a:ext>
-            </a:extLst>
-          </p:cNvPr>
-          <p:cNvSpPr>
-            <a:spLocks noGrp="1"/>
-          </p:cNvSpPr>
-          <p:nvPr>
-            <p:ph idx="1"/>
-          </p:nvPr>
-        </p:nvSpPr>
-        <p:spPr/>
-        <p:txBody>
-          <a:bodyPr/>
-          <a:lstStyle/>
-          <a:p>
-            <a:r>
-              <a:rPr kumimoji="1" lang="en-US" altLang="zh-CN" dirty="0"/>
-              <a:t>MA(1)-MA(3)</a:t>
-            </a:r>
-            <a:endParaRPr kumimoji="1" lang="zh-CN" altLang="en-US" dirty="0"/>
-          </a:p>
-        </p:txBody>
-      </p:sp>
+      <p:pic>
+        <p:nvPicPr>
+          <p:cNvPr id="9" name="图片 8" descr="图形用户界面&#10;&#10;描述已自动生成">
+            <a:extLst>
+              <a:ext uri="{FF2B5EF4-FFF2-40B4-BE49-F238E27FC236}">
+                <a16:creationId xmlns:a16="http://schemas.microsoft.com/office/drawing/2014/main" id="{EB7585E5-92C5-9648-B82E-5A18709F8018}"/>
+              </a:ext>
+            </a:extLst>
+          </p:cNvPr>
+          <p:cNvPicPr>
+            <a:picLocks noChangeAspect="1"/>
+          </p:cNvPicPr>
+          <p:nvPr/>
+        </p:nvPicPr>
+        <p:blipFill>
+          <a:blip r:embed="rId2"/>
+          <a:stretch>
+            <a:fillRect/>
+          </a:stretch>
+        </p:blipFill>
+        <p:spPr>
+          <a:xfrm>
+            <a:off x="1513392" y="0"/>
+            <a:ext cx="9165216" cy="6858000"/>
+          </a:xfrm>
+          <a:prstGeom prst="rect">
+            <a:avLst/>
+          </a:prstGeom>
+        </p:spPr>
+      </p:pic>
     </p:spTree>
     <p:extLst>
       <p:ext uri="{BB962C8B-B14F-4D97-AF65-F5344CB8AC3E}">
-        <p14:creationId xmlns:p14="http://schemas.microsoft.com/office/powerpoint/2010/main" val="3035646419"/>
+        <p14:creationId xmlns:p14="http://schemas.microsoft.com/office/powerpoint/2010/main" val="309397490"/>
       </p:ext>
     </p:extLst>
   </p:cSld>
@@ -3535,7 +3509,7 @@
           <p:cNvPr id="2" name="标题 1">
             <a:extLst>
               <a:ext uri="{FF2B5EF4-FFF2-40B4-BE49-F238E27FC236}">
-                <a16:creationId xmlns:a16="http://schemas.microsoft.com/office/drawing/2014/main" id="{DC2867D0-6B10-4245-A794-863BD7A3C5CB}"/>
+                <a16:creationId xmlns:a16="http://schemas.microsoft.com/office/drawing/2014/main" id="{F81BDECD-9D7C-BA4D-98A9-A80FE306A90F}"/>
               </a:ext>
             </a:extLst>
           </p:cNvPr>
@@ -3551,25 +3525,86 @@
           <a:bodyPr/>
           <a:lstStyle/>
           <a:p>
-            <a:endParaRPr kumimoji="1" lang="zh-CN" altLang="en-US"/>
-          </a:p>
-        </p:txBody>
-      </p:sp>
+            <a:r>
+              <a:rPr kumimoji="1" lang="en-US" altLang="zh-CN" dirty="0"/>
+              <a:t>Problem 3</a:t>
+            </a:r>
+            <a:endParaRPr kumimoji="1" lang="zh-CN" altLang="en-US" dirty="0"/>
+          </a:p>
+        </p:txBody>
+      </p:sp>
+      <p:sp>
+        <p:nvSpPr>
+          <p:cNvPr id="3" name="内容占位符 2">
+            <a:extLst>
+              <a:ext uri="{FF2B5EF4-FFF2-40B4-BE49-F238E27FC236}">
+                <a16:creationId xmlns:a16="http://schemas.microsoft.com/office/drawing/2014/main" id="{50A8948C-D493-0C4E-84C0-93797CA83FD3}"/>
+              </a:ext>
+            </a:extLst>
+          </p:cNvPr>
+          <p:cNvSpPr>
+            <a:spLocks noGrp="1"/>
+          </p:cNvSpPr>
+          <p:nvPr>
+            <p:ph idx="1"/>
+          </p:nvPr>
+        </p:nvSpPr>
+        <p:spPr/>
+        <p:txBody>
+          <a:bodyPr/>
+          <a:lstStyle/>
+          <a:p>
+            <a:r>
+              <a:rPr kumimoji="1" lang="en-US" altLang="zh-CN" dirty="0"/>
+              <a:t>MA(1)-MA(3)</a:t>
+            </a:r>
+            <a:endParaRPr kumimoji="1" lang="zh-CN" altLang="en-US" dirty="0"/>
+          </a:p>
+        </p:txBody>
+      </p:sp>
+    </p:spTree>
+    <p:extLst>
+      <p:ext uri="{BB962C8B-B14F-4D97-AF65-F5344CB8AC3E}">
+        <p14:creationId xmlns:p14="http://schemas.microsoft.com/office/powerpoint/2010/main" val="3035646419"/>
+      </p:ext>
+    </p:extLst>
+  </p:cSld>
+  <p:clrMapOvr>
+    <a:masterClrMapping/>
+  </p:clrMapOvr>
+</p:sld>
+</file>
+
+<file path=ppt/slides/slide12.xml><?xml version="1.0" encoding="utf-8"?>
+<p:sld xmlns:a="http://schemas.openxmlformats.org/drawingml/2006/main" xmlns:r="http://schemas.openxmlformats.org/officeDocument/2006/relationships" xmlns:p="http://schemas.openxmlformats.org/presentationml/2006/main">
+  <p:cSld>
+    <p:spTree>
+      <p:nvGrpSpPr>
+        <p:cNvPr id="1" name=""/>
+        <p:cNvGrpSpPr/>
+        <p:nvPr/>
+      </p:nvGrpSpPr>
+      <p:grpSpPr>
+        <a:xfrm>
+          <a:off x="0" y="0"/>
+          <a:ext cx="0" cy="0"/>
+          <a:chOff x="0" y="0"/>
+          <a:chExt cx="0" cy="0"/>
+        </a:xfrm>
+      </p:grpSpPr>
       <p:pic>
         <p:nvPicPr>
-          <p:cNvPr id="5" name="内容占位符 4" descr="图形用户界面&#10;&#10;描述已自动生成">
-            <a:extLst>
-              <a:ext uri="{FF2B5EF4-FFF2-40B4-BE49-F238E27FC236}">
-                <a16:creationId xmlns:a16="http://schemas.microsoft.com/office/drawing/2014/main" id="{B603CFCD-0A94-8241-B305-B8596651CF14}"/>
+          <p:cNvPr id="6" name="图片 5">
+            <a:extLst>
+              <a:ext uri="{FF2B5EF4-FFF2-40B4-BE49-F238E27FC236}">
+                <a16:creationId xmlns:a16="http://schemas.microsoft.com/office/drawing/2014/main" id="{4B75F773-7CD0-A043-A7C8-ADF54BBFF1D6}"/>
               </a:ext>
             </a:extLst>
           </p:cNvPr>
           <p:cNvPicPr>
-            <a:picLocks noGrp="1" noChangeAspect="1"/>
+            <a:picLocks noChangeAspect="1"/>
           </p:cNvPicPr>
-          <p:nvPr>
-            <p:ph idx="1"/>
-          </p:nvPr>
+          <p:nvPr/>
         </p:nvPicPr>
         <p:blipFill>
           <a:blip r:embed="rId2"/>
@@ -3579,15 +3614,114 @@
         </p:blipFill>
         <p:spPr>
           <a:xfrm>
-            <a:off x="838200" y="365125"/>
-            <a:ext cx="10515599" cy="5811838"/>
+            <a:off x="1513392" y="0"/>
+            <a:ext cx="9165216" cy="6858000"/>
           </a:xfrm>
+          <a:prstGeom prst="rect">
+            <a:avLst/>
+          </a:prstGeom>
         </p:spPr>
       </p:pic>
     </p:spTree>
     <p:extLst>
       <p:ext uri="{BB962C8B-B14F-4D97-AF65-F5344CB8AC3E}">
         <p14:creationId xmlns:p14="http://schemas.microsoft.com/office/powerpoint/2010/main" val="3525973389"/>
+      </p:ext>
+    </p:extLst>
+  </p:cSld>
+  <p:clrMapOvr>
+    <a:masterClrMapping/>
+  </p:clrMapOvr>
+</p:sld>
+</file>
+
+<file path=ppt/slides/slide13.xml><?xml version="1.0" encoding="utf-8"?>
+<p:sld xmlns:a="http://schemas.openxmlformats.org/drawingml/2006/main" xmlns:r="http://schemas.openxmlformats.org/officeDocument/2006/relationships" xmlns:p="http://schemas.openxmlformats.org/presentationml/2006/main">
+  <p:cSld>
+    <p:spTree>
+      <p:nvGrpSpPr>
+        <p:cNvPr id="1" name=""/>
+        <p:cNvGrpSpPr/>
+        <p:nvPr/>
+      </p:nvGrpSpPr>
+      <p:grpSpPr>
+        <a:xfrm>
+          <a:off x="0" y="0"/>
+          <a:ext cx="0" cy="0"/>
+          <a:chOff x="0" y="0"/>
+          <a:chExt cx="0" cy="0"/>
+        </a:xfrm>
+      </p:grpSpPr>
+      <p:sp>
+        <p:nvSpPr>
+          <p:cNvPr id="2" name="标题 1">
+            <a:extLst>
+              <a:ext uri="{FF2B5EF4-FFF2-40B4-BE49-F238E27FC236}">
+                <a16:creationId xmlns:a16="http://schemas.microsoft.com/office/drawing/2014/main" id="{6E0B42F9-38FC-0942-B309-F1FB513C0533}"/>
+              </a:ext>
+            </a:extLst>
+          </p:cNvPr>
+          <p:cNvSpPr>
+            <a:spLocks noGrp="1"/>
+          </p:cNvSpPr>
+          <p:nvPr>
+            <p:ph type="title"/>
+          </p:nvPr>
+        </p:nvSpPr>
+        <p:spPr/>
+        <p:txBody>
+          <a:bodyPr/>
+          <a:lstStyle/>
+          <a:p>
+            <a:r>
+              <a:rPr kumimoji="1" lang="en-US" altLang="zh-CN" b="1" dirty="0"/>
+              <a:t>Identify Type and Order</a:t>
+            </a:r>
+            <a:endParaRPr kumimoji="1" lang="zh-CN" altLang="en-US" b="1" dirty="0"/>
+          </a:p>
+        </p:txBody>
+      </p:sp>
+      <p:sp>
+        <p:nvSpPr>
+          <p:cNvPr id="3" name="内容占位符 2">
+            <a:extLst>
+              <a:ext uri="{FF2B5EF4-FFF2-40B4-BE49-F238E27FC236}">
+                <a16:creationId xmlns:a16="http://schemas.microsoft.com/office/drawing/2014/main" id="{7D7FFEC5-57B3-3144-BBDC-0C686444F18D}"/>
+              </a:ext>
+            </a:extLst>
+          </p:cNvPr>
+          <p:cNvSpPr>
+            <a:spLocks noGrp="1"/>
+          </p:cNvSpPr>
+          <p:nvPr>
+            <p:ph idx="1"/>
+          </p:nvPr>
+        </p:nvSpPr>
+        <p:spPr/>
+        <p:txBody>
+          <a:bodyPr/>
+          <a:lstStyle/>
+          <a:p>
+            <a:r>
+              <a:rPr lang="en-US" altLang="zh-CN" dirty="0"/>
+              <a:t>When there is no clear pattern of the ACF but the first n lags of the PACF is significantly different from 0 and the significance of the rest of the lags decrease intensely, then this might be an AR(n) process.</a:t>
+            </a:r>
+          </a:p>
+          <a:p>
+            <a:r>
+              <a:rPr lang="en-US" altLang="zh-CN" dirty="0"/>
+              <a:t>On the other hand, when there is no clear pattern of the PACF but the first n lags of the ACF is significantly different from 0 and the significance of the rest of the lags decrease intensely, then this might be a MA(n) process.</a:t>
+            </a:r>
+          </a:p>
+          <a:p>
+            <a:endParaRPr kumimoji="1" lang="en-US" altLang="zh-CN" dirty="0"/>
+          </a:p>
+        </p:txBody>
+      </p:sp>
+    </p:spTree>
+    <p:extLst>
+      <p:ext uri="{BB962C8B-B14F-4D97-AF65-F5344CB8AC3E}">
+        <p14:creationId xmlns:p14="http://schemas.microsoft.com/office/powerpoint/2010/main" val="2124750582"/>
       </p:ext>
     </p:extLst>
   </p:cSld>
@@ -3667,14 +3801,7 @@
             <a:pPr marL="0" indent="0">
               <a:buNone/>
             </a:pPr>
-            <a:r>
-              <a:rPr kumimoji="1" lang="en-US" altLang="zh-CN" b="1" dirty="0"/>
-              <a:t>Conclusion</a:t>
-            </a:r>
-            <a:r>
-              <a:rPr kumimoji="1" lang="en-US" altLang="zh-CN" dirty="0"/>
-              <a:t>:   These two equations are the same thing</a:t>
-            </a:r>
+            <a:endParaRPr kumimoji="1" lang="en-US" altLang="zh-CN" dirty="0"/>
           </a:p>
           <a:p>
             <a:pPr marL="0" indent="0">
@@ -3687,6 +3814,36 @@
           </a:p>
         </p:txBody>
       </p:sp>
+      <p:pic>
+        <p:nvPicPr>
+          <p:cNvPr id="5" name="图片 4" descr="文本, 信件&#10;&#10;描述已自动生成">
+            <a:extLst>
+              <a:ext uri="{FF2B5EF4-FFF2-40B4-BE49-F238E27FC236}">
+                <a16:creationId xmlns:a16="http://schemas.microsoft.com/office/drawing/2014/main" id="{272B6A7E-5CE4-824F-845F-1F73C8087D98}"/>
+              </a:ext>
+            </a:extLst>
+          </p:cNvPr>
+          <p:cNvPicPr>
+            <a:picLocks noChangeAspect="1"/>
+          </p:cNvPicPr>
+          <p:nvPr/>
+        </p:nvPicPr>
+        <p:blipFill>
+          <a:blip r:embed="rId2"/>
+          <a:stretch>
+            <a:fillRect/>
+          </a:stretch>
+        </p:blipFill>
+        <p:spPr>
+          <a:xfrm>
+            <a:off x="1010093" y="1340182"/>
+            <a:ext cx="6346689" cy="5322223"/>
+          </a:xfrm>
+          <a:prstGeom prst="rect">
+            <a:avLst/>
+          </a:prstGeom>
+        </p:spPr>
+      </p:pic>
     </p:spTree>
     <p:extLst>
       <p:ext uri="{BB962C8B-B14F-4D97-AF65-F5344CB8AC3E}">
@@ -3807,6 +3964,48 @@
           </a:prstGeom>
         </p:spPr>
       </p:pic>
+      <p:sp>
+        <p:nvSpPr>
+          <p:cNvPr id="4" name="文本框 3">
+            <a:extLst>
+              <a:ext uri="{FF2B5EF4-FFF2-40B4-BE49-F238E27FC236}">
+                <a16:creationId xmlns:a16="http://schemas.microsoft.com/office/drawing/2014/main" id="{901F43A9-5723-4F45-BF7D-8630CE85EBCD}"/>
+              </a:ext>
+            </a:extLst>
+          </p:cNvPr>
+          <p:cNvSpPr txBox="1"/>
+          <p:nvPr/>
+        </p:nvSpPr>
+        <p:spPr>
+          <a:xfrm>
+            <a:off x="642729" y="4084306"/>
+            <a:ext cx="8373679" cy="477054"/>
+          </a:xfrm>
+          <a:prstGeom prst="rect">
+            <a:avLst/>
+          </a:prstGeom>
+          <a:noFill/>
+        </p:spPr>
+        <p:txBody>
+          <a:bodyPr wrap="square">
+            <a:spAutoFit/>
+          </a:bodyPr>
+          <a:lstStyle/>
+          <a:p>
+            <a:pPr marL="0" indent="0">
+              <a:buNone/>
+            </a:pPr>
+            <a:r>
+              <a:rPr kumimoji="1" lang="en-US" altLang="zh-CN" sz="2500" b="1" dirty="0"/>
+              <a:t>Conclusion</a:t>
+            </a:r>
+            <a:r>
+              <a:rPr kumimoji="1" lang="en-US" altLang="zh-CN" dirty="0"/>
+              <a:t>:   These two equations are the same thing</a:t>
+            </a:r>
+          </a:p>
+        </p:txBody>
+      </p:sp>
     </p:spTree>
     <p:extLst>
       <p:ext uri="{BB962C8B-B14F-4D97-AF65-F5344CB8AC3E}">
@@ -3890,19 +4089,6 @@
             <a:pPr marL="0" indent="0">
               <a:buNone/>
             </a:pPr>
-            <a:r>
-              <a:rPr kumimoji="1" lang="en-US" altLang="zh-CN" b="1" dirty="0"/>
-              <a:t>Conclusion</a:t>
-            </a:r>
-            <a:r>
-              <a:rPr kumimoji="1" lang="en-US" altLang="zh-CN" dirty="0"/>
-              <a:t>:   These two equations are the same thing</a:t>
-            </a:r>
-          </a:p>
-          <a:p>
-            <a:pPr marL="0" indent="0">
-              <a:buNone/>
-            </a:pPr>
             <a:br>
               <a:rPr kumimoji="1" lang="en-US" altLang="zh-CN" dirty="0"/>
             </a:br>
@@ -3910,6 +4096,36 @@
           </a:p>
         </p:txBody>
       </p:sp>
+      <p:pic>
+        <p:nvPicPr>
+          <p:cNvPr id="5" name="图片 4" descr="图形用户界面, 文本, 应用程序, 电子邮件&#10;&#10;描述已自动生成">
+            <a:extLst>
+              <a:ext uri="{FF2B5EF4-FFF2-40B4-BE49-F238E27FC236}">
+                <a16:creationId xmlns:a16="http://schemas.microsoft.com/office/drawing/2014/main" id="{AAAAA617-6529-9644-A4D4-A6DC5FD4C9C3}"/>
+              </a:ext>
+            </a:extLst>
+          </p:cNvPr>
+          <p:cNvPicPr>
+            <a:picLocks noChangeAspect="1"/>
+          </p:cNvPicPr>
+          <p:nvPr/>
+        </p:nvPicPr>
+        <p:blipFill>
+          <a:blip r:embed="rId2"/>
+          <a:stretch>
+            <a:fillRect/>
+          </a:stretch>
+        </p:blipFill>
+        <p:spPr>
+          <a:xfrm>
+            <a:off x="0" y="1846492"/>
+            <a:ext cx="12192000" cy="3165016"/>
+          </a:xfrm>
+          <a:prstGeom prst="rect">
+            <a:avLst/>
+          </a:prstGeom>
+        </p:spPr>
+      </p:pic>
     </p:spTree>
     <p:extLst>
       <p:ext uri="{BB962C8B-B14F-4D97-AF65-F5344CB8AC3E}">
@@ -4059,6 +4275,73 @@
           <a:chExt cx="0" cy="0"/>
         </a:xfrm>
       </p:grpSpPr>
+      <p:sp>
+        <p:nvSpPr>
+          <p:cNvPr id="3" name="内容占位符 2">
+            <a:extLst>
+              <a:ext uri="{FF2B5EF4-FFF2-40B4-BE49-F238E27FC236}">
+                <a16:creationId xmlns:a16="http://schemas.microsoft.com/office/drawing/2014/main" id="{C4782299-6209-374D-B715-47A45D1BE278}"/>
+              </a:ext>
+            </a:extLst>
+          </p:cNvPr>
+          <p:cNvSpPr>
+            <a:spLocks noGrp="1"/>
+          </p:cNvSpPr>
+          <p:nvPr>
+            <p:ph idx="1"/>
+          </p:nvPr>
+        </p:nvSpPr>
+        <p:spPr>
+          <a:xfrm>
+            <a:off x="710609" y="2825086"/>
+            <a:ext cx="10515600" cy="4351338"/>
+          </a:xfrm>
+        </p:spPr>
+        <p:txBody>
+          <a:bodyPr/>
+          <a:lstStyle/>
+          <a:p>
+            <a:r>
+              <a:rPr kumimoji="1" lang="en-US" altLang="zh-CN" b="1" dirty="0"/>
+              <a:t>Conclusion</a:t>
+            </a:r>
+            <a:r>
+              <a:rPr kumimoji="1" lang="en-US" altLang="zh-CN" dirty="0"/>
+              <a:t>:   The error vector is probably not normally distributed</a:t>
+            </a:r>
+          </a:p>
+        </p:txBody>
+      </p:sp>
+    </p:spTree>
+    <p:extLst>
+      <p:ext uri="{BB962C8B-B14F-4D97-AF65-F5344CB8AC3E}">
+        <p14:creationId xmlns:p14="http://schemas.microsoft.com/office/powerpoint/2010/main" val="3878981366"/>
+      </p:ext>
+    </p:extLst>
+  </p:cSld>
+  <p:clrMapOvr>
+    <a:masterClrMapping/>
+  </p:clrMapOvr>
+</p:sld>
+</file>
+
+<file path=ppt/slides/slide8.xml><?xml version="1.0" encoding="utf-8"?>
+<p:sld xmlns:a="http://schemas.openxmlformats.org/drawingml/2006/main" xmlns:r="http://schemas.openxmlformats.org/officeDocument/2006/relationships" xmlns:p="http://schemas.openxmlformats.org/presentationml/2006/main">
+  <p:cSld>
+    <p:spTree>
+      <p:nvGrpSpPr>
+        <p:cNvPr id="1" name=""/>
+        <p:cNvGrpSpPr/>
+        <p:nvPr/>
+      </p:nvGrpSpPr>
+      <p:grpSpPr>
+        <a:xfrm>
+          <a:off x="0" y="0"/>
+          <a:ext cx="0" cy="0"/>
+          <a:chOff x="0" y="0"/>
+          <a:chExt cx="0" cy="0"/>
+        </a:xfrm>
+      </p:grpSpPr>
       <p:pic>
         <p:nvPicPr>
           <p:cNvPr id="5" name="图片 4" descr="图形用户界面, 文本, 应用程序, 电子邮件&#10;&#10;描述已自动生成">
@@ -4102,97 +4385,6 @@
 </p:sld>
 </file>
 
-<file path=ppt/slides/slide8.xml><?xml version="1.0" encoding="utf-8"?>
-<p:sld xmlns:a="http://schemas.openxmlformats.org/drawingml/2006/main" xmlns:r="http://schemas.openxmlformats.org/officeDocument/2006/relationships" xmlns:p="http://schemas.openxmlformats.org/presentationml/2006/main">
-  <p:cSld>
-    <p:spTree>
-      <p:nvGrpSpPr>
-        <p:cNvPr id="1" name=""/>
-        <p:cNvGrpSpPr/>
-        <p:nvPr/>
-      </p:nvGrpSpPr>
-      <p:grpSpPr>
-        <a:xfrm>
-          <a:off x="0" y="0"/>
-          <a:ext cx="0" cy="0"/>
-          <a:chOff x="0" y="0"/>
-          <a:chExt cx="0" cy="0"/>
-        </a:xfrm>
-      </p:grpSpPr>
-      <p:sp>
-        <p:nvSpPr>
-          <p:cNvPr id="2" name="标题 1">
-            <a:extLst>
-              <a:ext uri="{FF2B5EF4-FFF2-40B4-BE49-F238E27FC236}">
-                <a16:creationId xmlns:a16="http://schemas.microsoft.com/office/drawing/2014/main" id="{244FFFAF-0FD5-CC49-AD89-31EB7BBC4CAD}"/>
-              </a:ext>
-            </a:extLst>
-          </p:cNvPr>
-          <p:cNvSpPr>
-            <a:spLocks noGrp="1"/>
-          </p:cNvSpPr>
-          <p:nvPr>
-            <p:ph type="title"/>
-          </p:nvPr>
-        </p:nvSpPr>
-        <p:spPr/>
-        <p:txBody>
-          <a:bodyPr/>
-          <a:lstStyle/>
-          <a:p>
-            <a:r>
-              <a:rPr kumimoji="1" lang="en-US" altLang="zh-CN" dirty="0"/>
-              <a:t>Problem 3</a:t>
-            </a:r>
-            <a:endParaRPr kumimoji="1" lang="zh-CN" altLang="en-US" dirty="0"/>
-          </a:p>
-        </p:txBody>
-      </p:sp>
-      <p:sp>
-        <p:nvSpPr>
-          <p:cNvPr id="3" name="内容占位符 2">
-            <a:extLst>
-              <a:ext uri="{FF2B5EF4-FFF2-40B4-BE49-F238E27FC236}">
-                <a16:creationId xmlns:a16="http://schemas.microsoft.com/office/drawing/2014/main" id="{FEAA873B-AFA9-8F4A-8D9B-2B48D408C651}"/>
-              </a:ext>
-            </a:extLst>
-          </p:cNvPr>
-          <p:cNvSpPr>
-            <a:spLocks noGrp="1"/>
-          </p:cNvSpPr>
-          <p:nvPr>
-            <p:ph idx="1"/>
-          </p:nvPr>
-        </p:nvSpPr>
-        <p:spPr/>
-        <p:txBody>
-          <a:bodyPr/>
-          <a:lstStyle/>
-          <a:p>
-            <a:r>
-              <a:rPr kumimoji="1" lang="en-US" altLang="zh-CN" dirty="0"/>
-              <a:t>AR(1)-AR(3)</a:t>
-            </a:r>
-            <a:br>
-              <a:rPr kumimoji="1" lang="en-US" altLang="zh-CN" dirty="0"/>
-            </a:br>
-            <a:endParaRPr kumimoji="1" lang="zh-CN" altLang="en-US" dirty="0"/>
-          </a:p>
-        </p:txBody>
-      </p:sp>
-    </p:spTree>
-    <p:extLst>
-      <p:ext uri="{BB962C8B-B14F-4D97-AF65-F5344CB8AC3E}">
-        <p14:creationId xmlns:p14="http://schemas.microsoft.com/office/powerpoint/2010/main" val="1065583764"/>
-      </p:ext>
-    </p:extLst>
-  </p:cSld>
-  <p:clrMapOvr>
-    <a:masterClrMapping/>
-  </p:clrMapOvr>
-</p:sld>
-</file>
-
 <file path=ppt/slides/slide9.xml><?xml version="1.0" encoding="utf-8"?>
 <p:sld xmlns:a="http://schemas.openxmlformats.org/drawingml/2006/main" xmlns:r="http://schemas.openxmlformats.org/officeDocument/2006/relationships" xmlns:p="http://schemas.openxmlformats.org/presentationml/2006/main">
   <p:cSld>
@@ -4210,40 +4402,71 @@
           <a:chExt cx="0" cy="0"/>
         </a:xfrm>
       </p:grpSpPr>
-      <p:pic>
-        <p:nvPicPr>
-          <p:cNvPr id="9" name="图片 8" descr="图形用户界面&#10;&#10;描述已自动生成">
-            <a:extLst>
-              <a:ext uri="{FF2B5EF4-FFF2-40B4-BE49-F238E27FC236}">
-                <a16:creationId xmlns:a16="http://schemas.microsoft.com/office/drawing/2014/main" id="{EB7585E5-92C5-9648-B82E-5A18709F8018}"/>
-              </a:ext>
-            </a:extLst>
-          </p:cNvPr>
-          <p:cNvPicPr>
-            <a:picLocks noChangeAspect="1"/>
-          </p:cNvPicPr>
-          <p:nvPr/>
-        </p:nvPicPr>
-        <p:blipFill>
-          <a:blip r:embed="rId2"/>
-          <a:stretch>
-            <a:fillRect/>
-          </a:stretch>
-        </p:blipFill>
-        <p:spPr>
-          <a:xfrm>
-            <a:off x="1513392" y="0"/>
-            <a:ext cx="9165216" cy="6858000"/>
-          </a:xfrm>
-          <a:prstGeom prst="rect">
-            <a:avLst/>
-          </a:prstGeom>
-        </p:spPr>
-      </p:pic>
+      <p:sp>
+        <p:nvSpPr>
+          <p:cNvPr id="2" name="标题 1">
+            <a:extLst>
+              <a:ext uri="{FF2B5EF4-FFF2-40B4-BE49-F238E27FC236}">
+                <a16:creationId xmlns:a16="http://schemas.microsoft.com/office/drawing/2014/main" id="{244FFFAF-0FD5-CC49-AD89-31EB7BBC4CAD}"/>
+              </a:ext>
+            </a:extLst>
+          </p:cNvPr>
+          <p:cNvSpPr>
+            <a:spLocks noGrp="1"/>
+          </p:cNvSpPr>
+          <p:nvPr>
+            <p:ph type="title"/>
+          </p:nvPr>
+        </p:nvSpPr>
+        <p:spPr/>
+        <p:txBody>
+          <a:bodyPr/>
+          <a:lstStyle/>
+          <a:p>
+            <a:r>
+              <a:rPr kumimoji="1" lang="en-US" altLang="zh-CN" dirty="0"/>
+              <a:t>Problem 3</a:t>
+            </a:r>
+            <a:endParaRPr kumimoji="1" lang="zh-CN" altLang="en-US" dirty="0"/>
+          </a:p>
+        </p:txBody>
+      </p:sp>
+      <p:sp>
+        <p:nvSpPr>
+          <p:cNvPr id="3" name="内容占位符 2">
+            <a:extLst>
+              <a:ext uri="{FF2B5EF4-FFF2-40B4-BE49-F238E27FC236}">
+                <a16:creationId xmlns:a16="http://schemas.microsoft.com/office/drawing/2014/main" id="{FEAA873B-AFA9-8F4A-8D9B-2B48D408C651}"/>
+              </a:ext>
+            </a:extLst>
+          </p:cNvPr>
+          <p:cNvSpPr>
+            <a:spLocks noGrp="1"/>
+          </p:cNvSpPr>
+          <p:nvPr>
+            <p:ph idx="1"/>
+          </p:nvPr>
+        </p:nvSpPr>
+        <p:spPr/>
+        <p:txBody>
+          <a:bodyPr/>
+          <a:lstStyle/>
+          <a:p>
+            <a:r>
+              <a:rPr kumimoji="1" lang="en-US" altLang="zh-CN" dirty="0"/>
+              <a:t>AR(1)-AR(3)</a:t>
+            </a:r>
+            <a:br>
+              <a:rPr kumimoji="1" lang="en-US" altLang="zh-CN" dirty="0"/>
+            </a:br>
+            <a:endParaRPr kumimoji="1" lang="zh-CN" altLang="en-US" dirty="0"/>
+          </a:p>
+        </p:txBody>
+      </p:sp>
     </p:spTree>
     <p:extLst>
       <p:ext uri="{BB962C8B-B14F-4D97-AF65-F5344CB8AC3E}">
-        <p14:creationId xmlns:p14="http://schemas.microsoft.com/office/powerpoint/2010/main" val="309397490"/>
+        <p14:creationId xmlns:p14="http://schemas.microsoft.com/office/powerpoint/2010/main" val="1065583764"/>
       </p:ext>
     </p:extLst>
   </p:cSld>
